--- a/experiment/计网/计算机网络实验2/2022计网实验1-2_eNSP仿真/实验2_VLAN配置/01 实验2_VLAN配置及协议分析.pptx
+++ b/experiment/计网/计算机网络实验2/2022计网实验1-2_eNSP仿真/实验2_VLAN配置/01 实验2_VLAN配置及协议分析.pptx
@@ -223,7 +223,7 @@
           <a:p>
             <a:fld id="{5D8EA76D-2842-47B2-AAEA-8104B6DC3542}" type="datetimeFigureOut">
               <a:rPr lang="zh-CN" altLang="en-US" smtClean="0"/>
-              <a:t>2022/11/18</a:t>
+              <a:t>2022/11/25</a:t>
             </a:fld>
             <a:endParaRPr lang="zh-CN" altLang="en-US"/>
           </a:p>
@@ -1881,7 +1881,7 @@
           <a:p>
             <a:fld id="{F09A92D9-9181-49C6-B375-5192CB6C4F3E}" type="datetime1">
               <a:rPr lang="zh-CN" altLang="en-US" smtClean="0"/>
-              <a:t>2022/11/18</a:t>
+              <a:t>2022/11/25</a:t>
             </a:fld>
             <a:endParaRPr lang="zh-CN" altLang="en-US"/>
           </a:p>
@@ -2051,7 +2051,7 @@
           <a:p>
             <a:fld id="{9FE5E6EE-E66C-49BB-A269-E442383ADB5D}" type="datetime1">
               <a:rPr lang="zh-CN" altLang="en-US" smtClean="0"/>
-              <a:t>2022/11/18</a:t>
+              <a:t>2022/11/25</a:t>
             </a:fld>
             <a:endParaRPr lang="zh-CN" altLang="en-US"/>
           </a:p>
@@ -2231,7 +2231,7 @@
           <a:p>
             <a:fld id="{80CE3B55-BC54-470B-BB19-7C20CA6505EC}" type="datetime1">
               <a:rPr lang="zh-CN" altLang="en-US" smtClean="0"/>
-              <a:t>2022/11/18</a:t>
+              <a:t>2022/11/25</a:t>
             </a:fld>
             <a:endParaRPr lang="zh-CN" altLang="en-US"/>
           </a:p>
@@ -2424,7 +2424,7 @@
             </a:pPr>
             <a:fld id="{23486D63-07F5-474B-AB7D-00327A85005F}" type="datetime1">
               <a:rPr lang="zh-CN" altLang="en-US" smtClean="0"/>
-              <a:t>2022/11/18</a:t>
+              <a:t>2022/11/25</a:t>
             </a:fld>
             <a:endParaRPr lang="en-US" altLang="zh-CN"/>
           </a:p>
@@ -2613,7 +2613,7 @@
             </a:pPr>
             <a:fld id="{5C92B449-86B5-469C-A302-ADABE31968E6}" type="datetime1">
               <a:rPr lang="zh-CN" altLang="en-US" smtClean="0"/>
-              <a:t>2022/11/18</a:t>
+              <a:t>2022/11/25</a:t>
             </a:fld>
             <a:endParaRPr lang="en-US" altLang="zh-CN"/>
           </a:p>
@@ -2825,7 +2825,7 @@
             </a:pPr>
             <a:fld id="{57233D6B-93D1-4CCB-8022-BC2C204DF1D3}" type="datetime1">
               <a:rPr lang="zh-CN" altLang="en-US" smtClean="0"/>
-              <a:t>2022/11/18</a:t>
+              <a:t>2022/11/25</a:t>
             </a:fld>
             <a:endParaRPr lang="en-US" altLang="zh-CN"/>
           </a:p>
@@ -3131,7 +3131,7 @@
             </a:pPr>
             <a:fld id="{A75FEF8B-77E4-45AA-920E-E2F316657EBE}" type="datetime1">
               <a:rPr lang="zh-CN" altLang="en-US" smtClean="0"/>
-              <a:t>2022/11/18</a:t>
+              <a:t>2022/11/25</a:t>
             </a:fld>
             <a:endParaRPr lang="en-US" altLang="zh-CN"/>
           </a:p>
@@ -3571,7 +3571,7 @@
             </a:pPr>
             <a:fld id="{C03CE8A4-83F0-49F0-B794-7AB3303E5E45}" type="datetime1">
               <a:rPr lang="zh-CN" altLang="en-US" smtClean="0"/>
-              <a:t>2022/11/18</a:t>
+              <a:t>2022/11/25</a:t>
             </a:fld>
             <a:endParaRPr lang="en-US" altLang="zh-CN"/>
           </a:p>
@@ -3709,7 +3709,7 @@
             </a:pPr>
             <a:fld id="{ADAAD559-1BC4-4046-AD71-5113D816D4FE}" type="datetime1">
               <a:rPr lang="zh-CN" altLang="en-US" smtClean="0"/>
-              <a:t>2022/11/18</a:t>
+              <a:t>2022/11/25</a:t>
             </a:fld>
             <a:endParaRPr lang="en-US" altLang="zh-CN"/>
           </a:p>
@@ -3825,7 +3825,7 @@
             </a:pPr>
             <a:fld id="{FCB0FE46-9F33-442D-B8CF-F1B44CCB93C2}" type="datetime1">
               <a:rPr lang="zh-CN" altLang="en-US" smtClean="0"/>
-              <a:t>2022/11/18</a:t>
+              <a:t>2022/11/25</a:t>
             </a:fld>
             <a:endParaRPr lang="en-US" altLang="zh-CN"/>
           </a:p>
@@ -4121,7 +4121,7 @@
             </a:pPr>
             <a:fld id="{42238968-D4BB-4B82-87FA-F340B0A21908}" type="datetime1">
               <a:rPr lang="zh-CN" altLang="en-US" smtClean="0"/>
-              <a:t>2022/11/18</a:t>
+              <a:t>2022/11/25</a:t>
             </a:fld>
             <a:endParaRPr lang="en-US" altLang="zh-CN"/>
           </a:p>
@@ -4305,7 +4305,7 @@
           <a:p>
             <a:fld id="{2AEDECBF-1B28-4C37-953C-3A192D7FA4FC}" type="datetime1">
               <a:rPr lang="zh-CN" altLang="en-US" smtClean="0"/>
-              <a:t>2022/11/18</a:t>
+              <a:t>2022/11/25</a:t>
             </a:fld>
             <a:endParaRPr lang="zh-CN" altLang="en-US"/>
           </a:p>
@@ -4564,7 +4564,7 @@
             </a:pPr>
             <a:fld id="{D40EBF2F-5ED3-484C-A50A-CC1F0265401E}" type="datetime1">
               <a:rPr lang="zh-CN" altLang="en-US" smtClean="0"/>
-              <a:t>2022/11/18</a:t>
+              <a:t>2022/11/25</a:t>
             </a:fld>
             <a:endParaRPr lang="en-US" altLang="zh-CN"/>
           </a:p>
@@ -4753,7 +4753,7 @@
             </a:pPr>
             <a:fld id="{1FA9B96F-4654-471B-8695-9B1234F1325F}" type="datetime1">
               <a:rPr lang="zh-CN" altLang="en-US" smtClean="0"/>
-              <a:t>2022/11/18</a:t>
+              <a:t>2022/11/25</a:t>
             </a:fld>
             <a:endParaRPr lang="en-US" altLang="zh-CN"/>
           </a:p>
@@ -4952,7 +4952,7 @@
             </a:pPr>
             <a:fld id="{A09FA822-24D5-41F5-848D-8631D61CA845}" type="datetime1">
               <a:rPr lang="zh-CN" altLang="en-US" smtClean="0"/>
-              <a:t>2022/11/18</a:t>
+              <a:t>2022/11/25</a:t>
             </a:fld>
             <a:endParaRPr lang="en-US" altLang="zh-CN"/>
           </a:p>
@@ -5210,7 +5210,7 @@
           <a:p>
             <a:fld id="{7680F4FB-AA6D-4370-9854-DCC676EF323E}" type="datetime1">
               <a:rPr lang="zh-CN" altLang="en-US" smtClean="0"/>
-              <a:t>2022/11/18</a:t>
+              <a:t>2022/11/25</a:t>
             </a:fld>
             <a:endParaRPr lang="zh-CN" altLang="en-US"/>
           </a:p>
@@ -5442,7 +5442,7 @@
           <a:p>
             <a:fld id="{CC9A329C-789F-4580-8108-F0A581703C21}" type="datetime1">
               <a:rPr lang="zh-CN" altLang="en-US" smtClean="0"/>
-              <a:t>2022/11/18</a:t>
+              <a:t>2022/11/25</a:t>
             </a:fld>
             <a:endParaRPr lang="zh-CN" altLang="en-US"/>
           </a:p>
@@ -5809,7 +5809,7 @@
           <a:p>
             <a:fld id="{301A6EBB-9F99-4CB4-9A83-433B439EB018}" type="datetime1">
               <a:rPr lang="zh-CN" altLang="en-US" smtClean="0"/>
-              <a:t>2022/11/18</a:t>
+              <a:t>2022/11/25</a:t>
             </a:fld>
             <a:endParaRPr lang="zh-CN" altLang="en-US"/>
           </a:p>
@@ -5927,7 +5927,7 @@
           <a:p>
             <a:fld id="{205CF512-BA22-4010-BA38-3D230BC72255}" type="datetime1">
               <a:rPr lang="zh-CN" altLang="en-US" smtClean="0"/>
-              <a:t>2022/11/18</a:t>
+              <a:t>2022/11/25</a:t>
             </a:fld>
             <a:endParaRPr lang="zh-CN" altLang="en-US"/>
           </a:p>
@@ -6022,7 +6022,7 @@
           <a:p>
             <a:fld id="{14898062-B944-45F5-A7A4-443120B3E03C}" type="datetime1">
               <a:rPr lang="zh-CN" altLang="en-US" smtClean="0"/>
-              <a:t>2022/11/18</a:t>
+              <a:t>2022/11/25</a:t>
             </a:fld>
             <a:endParaRPr lang="zh-CN" altLang="en-US"/>
           </a:p>
@@ -6299,7 +6299,7 @@
           <a:p>
             <a:fld id="{26F6C999-88D5-4494-949D-09E5BFCE7E1C}" type="datetime1">
               <a:rPr lang="zh-CN" altLang="en-US" smtClean="0"/>
-              <a:t>2022/11/18</a:t>
+              <a:t>2022/11/25</a:t>
             </a:fld>
             <a:endParaRPr lang="zh-CN" altLang="en-US"/>
           </a:p>
@@ -6556,7 +6556,7 @@
           <a:p>
             <a:fld id="{CB0E0971-2A4A-4C7B-9758-10AFEC3C5FBC}" type="datetime1">
               <a:rPr lang="zh-CN" altLang="en-US" smtClean="0"/>
-              <a:t>2022/11/18</a:t>
+              <a:t>2022/11/25</a:t>
             </a:fld>
             <a:endParaRPr lang="zh-CN" altLang="en-US"/>
           </a:p>
@@ -6769,7 +6769,7 @@
           <a:p>
             <a:fld id="{E331BFFB-31DF-49BF-A5AC-3B58FF9B00E0}" type="datetime1">
               <a:rPr lang="zh-CN" altLang="en-US" smtClean="0"/>
-              <a:t>2022/11/18</a:t>
+              <a:t>2022/11/25</a:t>
             </a:fld>
             <a:endParaRPr lang="zh-CN" altLang="en-US"/>
           </a:p>
@@ -7985,7 +7985,7 @@
             </a:pPr>
             <a:fld id="{6E877960-B000-4230-8713-6481FFE70262}" type="datetime1">
               <a:rPr lang="zh-CN" altLang="en-US" smtClean="0"/>
-              <a:t>2022/11/18</a:t>
+              <a:t>2022/11/25</a:t>
             </a:fld>
             <a:endParaRPr lang="en-US" altLang="zh-CN"/>
           </a:p>
@@ -9284,7 +9284,7 @@
           <a:p>
             <a:fld id="{72DCCFBE-E183-406C-A10F-E0642B08ACC5}" type="datetime1">
               <a:rPr lang="zh-CN" altLang="en-US" smtClean="0"/>
-              <a:t>2022/11/18</a:t>
+              <a:t>2022/11/25</a:t>
             </a:fld>
             <a:endParaRPr lang="zh-CN" altLang="en-US"/>
           </a:p>
@@ -9878,7 +9878,7 @@
           <a:p>
             <a:fld id="{72DCCFBE-E183-406C-A10F-E0642B08ACC5}" type="datetime1">
               <a:rPr lang="zh-CN" altLang="en-US" smtClean="0"/>
-              <a:t>2022/11/18</a:t>
+              <a:t>2022/11/25</a:t>
             </a:fld>
             <a:endParaRPr lang="zh-CN" altLang="en-US"/>
           </a:p>
@@ -13571,7 +13571,7 @@
           <a:p>
             <a:fld id="{72DCCFBE-E183-406C-A10F-E0642B08ACC5}" type="datetime1">
               <a:rPr lang="zh-CN" altLang="en-US" smtClean="0"/>
-              <a:t>2022/11/18</a:t>
+              <a:t>2022/11/25</a:t>
             </a:fld>
             <a:endParaRPr lang="zh-CN" altLang="en-US" dirty="0"/>
           </a:p>
@@ -17157,7 +17157,7 @@
           <a:p>
             <a:fld id="{72DCCFBE-E183-406C-A10F-E0642B08ACC5}" type="datetime1">
               <a:rPr lang="zh-CN" altLang="en-US" smtClean="0"/>
-              <a:t>2022/11/18</a:t>
+              <a:t>2022/11/25</a:t>
             </a:fld>
             <a:endParaRPr lang="zh-CN" altLang="en-US"/>
           </a:p>
@@ -18223,7 +18223,7 @@
           <a:p>
             <a:fld id="{72DCCFBE-E183-406C-A10F-E0642B08ACC5}" type="datetime1">
               <a:rPr lang="zh-CN" altLang="en-US" smtClean="0"/>
-              <a:t>2022/11/18</a:t>
+              <a:t>2022/11/25</a:t>
             </a:fld>
             <a:endParaRPr lang="zh-CN" altLang="en-US"/>
           </a:p>
@@ -18810,7 +18810,7 @@
           <a:p>
             <a:fld id="{72DCCFBE-E183-406C-A10F-E0642B08ACC5}" type="datetime1">
               <a:rPr lang="zh-CN" altLang="en-US" smtClean="0"/>
-              <a:t>2022/11/18</a:t>
+              <a:t>2022/11/25</a:t>
             </a:fld>
             <a:endParaRPr lang="zh-CN" altLang="en-US" dirty="0"/>
           </a:p>
@@ -19436,7 +19436,7 @@
           <a:p>
             <a:fld id="{72DCCFBE-E183-406C-A10F-E0642B08ACC5}" type="datetime1">
               <a:rPr lang="zh-CN" altLang="en-US" smtClean="0"/>
-              <a:t>2022/11/18</a:t>
+              <a:t>2022/11/25</a:t>
             </a:fld>
             <a:endParaRPr lang="zh-CN" altLang="en-US" dirty="0"/>
           </a:p>
@@ -20011,7 +20011,7 @@
           <a:p>
             <a:fld id="{72DCCFBE-E183-406C-A10F-E0642B08ACC5}" type="datetime1">
               <a:rPr lang="zh-CN" altLang="en-US" smtClean="0"/>
-              <a:t>2022/11/18</a:t>
+              <a:t>2022/11/25</a:t>
             </a:fld>
             <a:endParaRPr lang="zh-CN" altLang="en-US"/>
           </a:p>
@@ -20987,7 +20987,7 @@
                     <a:srgbClr val="FF0000"/>
                   </a:solidFill>
                 </a:rPr>
-                <a:t>IP:172.16.0.11/24</a:t>
+                <a:t>IP:172.16.0.12/24</a:t>
               </a:r>
             </a:p>
           </p:txBody>
@@ -21194,7 +21194,7 @@
                     <a:srgbClr val="FF0000"/>
                   </a:solidFill>
                 </a:rPr>
-                <a:t>IP: 172.16.0.33/24</a:t>
+                <a:t>IP: 172.16.0.34/24</a:t>
               </a:r>
             </a:p>
           </p:txBody>
@@ -21463,7 +21463,7 @@
             <a:p>
               <a:r>
                 <a:rPr lang="en-US" altLang="zh-CN" dirty="0"/>
-                <a:t>IP: 172.16.0.22/24</a:t>
+                <a:t>IP: 172.16.0.23/24</a:t>
               </a:r>
             </a:p>
           </p:txBody>
@@ -21732,8 +21732,13 @@
             <a:p>
               <a:r>
                 <a:rPr lang="en-US" altLang="zh-CN" dirty="0"/>
-                <a:t>IP: 172.16.0.44/24</a:t>
+                <a:t>IP</a:t>
               </a:r>
+              <a:r>
+                <a:rPr lang="en-US" altLang="zh-CN"/>
+                <a:t>: 172.16.0.45/24</a:t>
+              </a:r>
+              <a:endParaRPr lang="en-US" altLang="zh-CN" dirty="0"/>
             </a:p>
           </p:txBody>
         </p:sp>
@@ -23592,7 +23597,7 @@
           <a:p>
             <a:fld id="{72DCCFBE-E183-406C-A10F-E0642B08ACC5}" type="datetime1">
               <a:rPr lang="zh-CN" altLang="en-US" smtClean="0"/>
-              <a:t>2022/11/18</a:t>
+              <a:t>2022/11/25</a:t>
             </a:fld>
             <a:endParaRPr lang="zh-CN" altLang="en-US"/>
           </a:p>
@@ -23889,7 +23894,7 @@
           <a:p>
             <a:fld id="{72DCCFBE-E183-406C-A10F-E0642B08ACC5}" type="datetime1">
               <a:rPr lang="zh-CN" altLang="en-US" smtClean="0"/>
-              <a:t>2022/11/18</a:t>
+              <a:t>2022/11/25</a:t>
             </a:fld>
             <a:endParaRPr lang="zh-CN" altLang="en-US"/>
           </a:p>
@@ -24198,7 +24203,7 @@
           <a:p>
             <a:fld id="{72DCCFBE-E183-406C-A10F-E0642B08ACC5}" type="datetime1">
               <a:rPr lang="zh-CN" altLang="en-US" smtClean="0"/>
-              <a:t>2022/11/18</a:t>
+              <a:t>2022/11/25</a:t>
             </a:fld>
             <a:endParaRPr lang="zh-CN" altLang="en-US"/>
           </a:p>
@@ -24970,7 +24975,7 @@
           <a:p>
             <a:fld id="{72DCCFBE-E183-406C-A10F-E0642B08ACC5}" type="datetime1">
               <a:rPr lang="zh-CN" altLang="en-US" smtClean="0"/>
-              <a:t>2022/11/18</a:t>
+              <a:t>2022/11/25</a:t>
             </a:fld>
             <a:endParaRPr lang="zh-CN" altLang="en-US" dirty="0"/>
           </a:p>
@@ -26040,7 +26045,7 @@
           <a:p>
             <a:fld id="{72DCCFBE-E183-406C-A10F-E0642B08ACC5}" type="datetime1">
               <a:rPr lang="zh-CN" altLang="en-US" smtClean="0"/>
-              <a:t>2022/11/18</a:t>
+              <a:t>2022/11/25</a:t>
             </a:fld>
             <a:endParaRPr lang="zh-CN" altLang="en-US"/>
           </a:p>
@@ -26457,7 +26462,7 @@
           <a:p>
             <a:fld id="{72DCCFBE-E183-406C-A10F-E0642B08ACC5}" type="datetime1">
               <a:rPr lang="zh-CN" altLang="en-US" smtClean="0"/>
-              <a:t>2022/11/18</a:t>
+              <a:t>2022/11/25</a:t>
             </a:fld>
             <a:endParaRPr lang="zh-CN" altLang="en-US"/>
           </a:p>

--- a/experiment/计网/计算机网络实验2/2022计网实验1-2_eNSP仿真/实验2_VLAN配置/01 实验2_VLAN配置及协议分析.pptx
+++ b/experiment/计网/计算机网络实验2/2022计网实验1-2_eNSP仿真/实验2_VLAN配置/01 实验2_VLAN配置及协议分析.pptx
@@ -223,7 +223,7 @@
           <a:p>
             <a:fld id="{5D8EA76D-2842-47B2-AAEA-8104B6DC3542}" type="datetimeFigureOut">
               <a:rPr lang="zh-CN" altLang="en-US" smtClean="0"/>
-              <a:t>2022/11/25</a:t>
+              <a:t>2022/11/27</a:t>
             </a:fld>
             <a:endParaRPr lang="zh-CN" altLang="en-US"/>
           </a:p>
@@ -1881,7 +1881,7 @@
           <a:p>
             <a:fld id="{F09A92D9-9181-49C6-B375-5192CB6C4F3E}" type="datetime1">
               <a:rPr lang="zh-CN" altLang="en-US" smtClean="0"/>
-              <a:t>2022/11/25</a:t>
+              <a:t>2022/11/27</a:t>
             </a:fld>
             <a:endParaRPr lang="zh-CN" altLang="en-US"/>
           </a:p>
@@ -2051,7 +2051,7 @@
           <a:p>
             <a:fld id="{9FE5E6EE-E66C-49BB-A269-E442383ADB5D}" type="datetime1">
               <a:rPr lang="zh-CN" altLang="en-US" smtClean="0"/>
-              <a:t>2022/11/25</a:t>
+              <a:t>2022/11/27</a:t>
             </a:fld>
             <a:endParaRPr lang="zh-CN" altLang="en-US"/>
           </a:p>
@@ -2231,7 +2231,7 @@
           <a:p>
             <a:fld id="{80CE3B55-BC54-470B-BB19-7C20CA6505EC}" type="datetime1">
               <a:rPr lang="zh-CN" altLang="en-US" smtClean="0"/>
-              <a:t>2022/11/25</a:t>
+              <a:t>2022/11/27</a:t>
             </a:fld>
             <a:endParaRPr lang="zh-CN" altLang="en-US"/>
           </a:p>
@@ -2424,7 +2424,7 @@
             </a:pPr>
             <a:fld id="{23486D63-07F5-474B-AB7D-00327A85005F}" type="datetime1">
               <a:rPr lang="zh-CN" altLang="en-US" smtClean="0"/>
-              <a:t>2022/11/25</a:t>
+              <a:t>2022/11/27</a:t>
             </a:fld>
             <a:endParaRPr lang="en-US" altLang="zh-CN"/>
           </a:p>
@@ -2613,7 +2613,7 @@
             </a:pPr>
             <a:fld id="{5C92B449-86B5-469C-A302-ADABE31968E6}" type="datetime1">
               <a:rPr lang="zh-CN" altLang="en-US" smtClean="0"/>
-              <a:t>2022/11/25</a:t>
+              <a:t>2022/11/27</a:t>
             </a:fld>
             <a:endParaRPr lang="en-US" altLang="zh-CN"/>
           </a:p>
@@ -2825,7 +2825,7 @@
             </a:pPr>
             <a:fld id="{57233D6B-93D1-4CCB-8022-BC2C204DF1D3}" type="datetime1">
               <a:rPr lang="zh-CN" altLang="en-US" smtClean="0"/>
-              <a:t>2022/11/25</a:t>
+              <a:t>2022/11/27</a:t>
             </a:fld>
             <a:endParaRPr lang="en-US" altLang="zh-CN"/>
           </a:p>
@@ -3131,7 +3131,7 @@
             </a:pPr>
             <a:fld id="{A75FEF8B-77E4-45AA-920E-E2F316657EBE}" type="datetime1">
               <a:rPr lang="zh-CN" altLang="en-US" smtClean="0"/>
-              <a:t>2022/11/25</a:t>
+              <a:t>2022/11/27</a:t>
             </a:fld>
             <a:endParaRPr lang="en-US" altLang="zh-CN"/>
           </a:p>
@@ -3571,7 +3571,7 @@
             </a:pPr>
             <a:fld id="{C03CE8A4-83F0-49F0-B794-7AB3303E5E45}" type="datetime1">
               <a:rPr lang="zh-CN" altLang="en-US" smtClean="0"/>
-              <a:t>2022/11/25</a:t>
+              <a:t>2022/11/27</a:t>
             </a:fld>
             <a:endParaRPr lang="en-US" altLang="zh-CN"/>
           </a:p>
@@ -3709,7 +3709,7 @@
             </a:pPr>
             <a:fld id="{ADAAD559-1BC4-4046-AD71-5113D816D4FE}" type="datetime1">
               <a:rPr lang="zh-CN" altLang="en-US" smtClean="0"/>
-              <a:t>2022/11/25</a:t>
+              <a:t>2022/11/27</a:t>
             </a:fld>
             <a:endParaRPr lang="en-US" altLang="zh-CN"/>
           </a:p>
@@ -3825,7 +3825,7 @@
             </a:pPr>
             <a:fld id="{FCB0FE46-9F33-442D-B8CF-F1B44CCB93C2}" type="datetime1">
               <a:rPr lang="zh-CN" altLang="en-US" smtClean="0"/>
-              <a:t>2022/11/25</a:t>
+              <a:t>2022/11/27</a:t>
             </a:fld>
             <a:endParaRPr lang="en-US" altLang="zh-CN"/>
           </a:p>
@@ -4121,7 +4121,7 @@
             </a:pPr>
             <a:fld id="{42238968-D4BB-4B82-87FA-F340B0A21908}" type="datetime1">
               <a:rPr lang="zh-CN" altLang="en-US" smtClean="0"/>
-              <a:t>2022/11/25</a:t>
+              <a:t>2022/11/27</a:t>
             </a:fld>
             <a:endParaRPr lang="en-US" altLang="zh-CN"/>
           </a:p>
@@ -4305,7 +4305,7 @@
           <a:p>
             <a:fld id="{2AEDECBF-1B28-4C37-953C-3A192D7FA4FC}" type="datetime1">
               <a:rPr lang="zh-CN" altLang="en-US" smtClean="0"/>
-              <a:t>2022/11/25</a:t>
+              <a:t>2022/11/27</a:t>
             </a:fld>
             <a:endParaRPr lang="zh-CN" altLang="en-US"/>
           </a:p>
@@ -4564,7 +4564,7 @@
             </a:pPr>
             <a:fld id="{D40EBF2F-5ED3-484C-A50A-CC1F0265401E}" type="datetime1">
               <a:rPr lang="zh-CN" altLang="en-US" smtClean="0"/>
-              <a:t>2022/11/25</a:t>
+              <a:t>2022/11/27</a:t>
             </a:fld>
             <a:endParaRPr lang="en-US" altLang="zh-CN"/>
           </a:p>
@@ -4753,7 +4753,7 @@
             </a:pPr>
             <a:fld id="{1FA9B96F-4654-471B-8695-9B1234F1325F}" type="datetime1">
               <a:rPr lang="zh-CN" altLang="en-US" smtClean="0"/>
-              <a:t>2022/11/25</a:t>
+              <a:t>2022/11/27</a:t>
             </a:fld>
             <a:endParaRPr lang="en-US" altLang="zh-CN"/>
           </a:p>
@@ -4952,7 +4952,7 @@
             </a:pPr>
             <a:fld id="{A09FA822-24D5-41F5-848D-8631D61CA845}" type="datetime1">
               <a:rPr lang="zh-CN" altLang="en-US" smtClean="0"/>
-              <a:t>2022/11/25</a:t>
+              <a:t>2022/11/27</a:t>
             </a:fld>
             <a:endParaRPr lang="en-US" altLang="zh-CN"/>
           </a:p>
@@ -5210,7 +5210,7 @@
           <a:p>
             <a:fld id="{7680F4FB-AA6D-4370-9854-DCC676EF323E}" type="datetime1">
               <a:rPr lang="zh-CN" altLang="en-US" smtClean="0"/>
-              <a:t>2022/11/25</a:t>
+              <a:t>2022/11/27</a:t>
             </a:fld>
             <a:endParaRPr lang="zh-CN" altLang="en-US"/>
           </a:p>
@@ -5442,7 +5442,7 @@
           <a:p>
             <a:fld id="{CC9A329C-789F-4580-8108-F0A581703C21}" type="datetime1">
               <a:rPr lang="zh-CN" altLang="en-US" smtClean="0"/>
-              <a:t>2022/11/25</a:t>
+              <a:t>2022/11/27</a:t>
             </a:fld>
             <a:endParaRPr lang="zh-CN" altLang="en-US"/>
           </a:p>
@@ -5809,7 +5809,7 @@
           <a:p>
             <a:fld id="{301A6EBB-9F99-4CB4-9A83-433B439EB018}" type="datetime1">
               <a:rPr lang="zh-CN" altLang="en-US" smtClean="0"/>
-              <a:t>2022/11/25</a:t>
+              <a:t>2022/11/27</a:t>
             </a:fld>
             <a:endParaRPr lang="zh-CN" altLang="en-US"/>
           </a:p>
@@ -5927,7 +5927,7 @@
           <a:p>
             <a:fld id="{205CF512-BA22-4010-BA38-3D230BC72255}" type="datetime1">
               <a:rPr lang="zh-CN" altLang="en-US" smtClean="0"/>
-              <a:t>2022/11/25</a:t>
+              <a:t>2022/11/27</a:t>
             </a:fld>
             <a:endParaRPr lang="zh-CN" altLang="en-US"/>
           </a:p>
@@ -6022,7 +6022,7 @@
           <a:p>
             <a:fld id="{14898062-B944-45F5-A7A4-443120B3E03C}" type="datetime1">
               <a:rPr lang="zh-CN" altLang="en-US" smtClean="0"/>
-              <a:t>2022/11/25</a:t>
+              <a:t>2022/11/27</a:t>
             </a:fld>
             <a:endParaRPr lang="zh-CN" altLang="en-US"/>
           </a:p>
@@ -6299,7 +6299,7 @@
           <a:p>
             <a:fld id="{26F6C999-88D5-4494-949D-09E5BFCE7E1C}" type="datetime1">
               <a:rPr lang="zh-CN" altLang="en-US" smtClean="0"/>
-              <a:t>2022/11/25</a:t>
+              <a:t>2022/11/27</a:t>
             </a:fld>
             <a:endParaRPr lang="zh-CN" altLang="en-US"/>
           </a:p>
@@ -6556,7 +6556,7 @@
           <a:p>
             <a:fld id="{CB0E0971-2A4A-4C7B-9758-10AFEC3C5FBC}" type="datetime1">
               <a:rPr lang="zh-CN" altLang="en-US" smtClean="0"/>
-              <a:t>2022/11/25</a:t>
+              <a:t>2022/11/27</a:t>
             </a:fld>
             <a:endParaRPr lang="zh-CN" altLang="en-US"/>
           </a:p>
@@ -6769,7 +6769,7 @@
           <a:p>
             <a:fld id="{E331BFFB-31DF-49BF-A5AC-3B58FF9B00E0}" type="datetime1">
               <a:rPr lang="zh-CN" altLang="en-US" smtClean="0"/>
-              <a:t>2022/11/25</a:t>
+              <a:t>2022/11/27</a:t>
             </a:fld>
             <a:endParaRPr lang="zh-CN" altLang="en-US"/>
           </a:p>
@@ -7985,7 +7985,7 @@
             </a:pPr>
             <a:fld id="{6E877960-B000-4230-8713-6481FFE70262}" type="datetime1">
               <a:rPr lang="zh-CN" altLang="en-US" smtClean="0"/>
-              <a:t>2022/11/25</a:t>
+              <a:t>2022/11/27</a:t>
             </a:fld>
             <a:endParaRPr lang="en-US" altLang="zh-CN"/>
           </a:p>
@@ -9284,7 +9284,7 @@
           <a:p>
             <a:fld id="{72DCCFBE-E183-406C-A10F-E0642B08ACC5}" type="datetime1">
               <a:rPr lang="zh-CN" altLang="en-US" smtClean="0"/>
-              <a:t>2022/11/25</a:t>
+              <a:t>2022/11/27</a:t>
             </a:fld>
             <a:endParaRPr lang="zh-CN" altLang="en-US"/>
           </a:p>
@@ -9878,7 +9878,7 @@
           <a:p>
             <a:fld id="{72DCCFBE-E183-406C-A10F-E0642B08ACC5}" type="datetime1">
               <a:rPr lang="zh-CN" altLang="en-US" smtClean="0"/>
-              <a:t>2022/11/25</a:t>
+              <a:t>2022/11/27</a:t>
             </a:fld>
             <a:endParaRPr lang="zh-CN" altLang="en-US"/>
           </a:p>
@@ -13571,7 +13571,7 @@
           <a:p>
             <a:fld id="{72DCCFBE-E183-406C-A10F-E0642B08ACC5}" type="datetime1">
               <a:rPr lang="zh-CN" altLang="en-US" smtClean="0"/>
-              <a:t>2022/11/25</a:t>
+              <a:t>2022/11/27</a:t>
             </a:fld>
             <a:endParaRPr lang="zh-CN" altLang="en-US" dirty="0"/>
           </a:p>
@@ -17157,7 +17157,7 @@
           <a:p>
             <a:fld id="{72DCCFBE-E183-406C-A10F-E0642B08ACC5}" type="datetime1">
               <a:rPr lang="zh-CN" altLang="en-US" smtClean="0"/>
-              <a:t>2022/11/25</a:t>
+              <a:t>2022/11/27</a:t>
             </a:fld>
             <a:endParaRPr lang="zh-CN" altLang="en-US"/>
           </a:p>
@@ -18223,7 +18223,7 @@
           <a:p>
             <a:fld id="{72DCCFBE-E183-406C-A10F-E0642B08ACC5}" type="datetime1">
               <a:rPr lang="zh-CN" altLang="en-US" smtClean="0"/>
-              <a:t>2022/11/25</a:t>
+              <a:t>2022/11/27</a:t>
             </a:fld>
             <a:endParaRPr lang="zh-CN" altLang="en-US"/>
           </a:p>
@@ -18810,7 +18810,7 @@
           <a:p>
             <a:fld id="{72DCCFBE-E183-406C-A10F-E0642B08ACC5}" type="datetime1">
               <a:rPr lang="zh-CN" altLang="en-US" smtClean="0"/>
-              <a:t>2022/11/25</a:t>
+              <a:t>2022/11/27</a:t>
             </a:fld>
             <a:endParaRPr lang="zh-CN" altLang="en-US" dirty="0"/>
           </a:p>
@@ -19436,7 +19436,7 @@
           <a:p>
             <a:fld id="{72DCCFBE-E183-406C-A10F-E0642B08ACC5}" type="datetime1">
               <a:rPr lang="zh-CN" altLang="en-US" smtClean="0"/>
-              <a:t>2022/11/25</a:t>
+              <a:t>2022/11/27</a:t>
             </a:fld>
             <a:endParaRPr lang="zh-CN" altLang="en-US" dirty="0"/>
           </a:p>
@@ -20011,7 +20011,7 @@
           <a:p>
             <a:fld id="{72DCCFBE-E183-406C-A10F-E0642B08ACC5}" type="datetime1">
               <a:rPr lang="zh-CN" altLang="en-US" smtClean="0"/>
-              <a:t>2022/11/25</a:t>
+              <a:t>2022/11/27</a:t>
             </a:fld>
             <a:endParaRPr lang="zh-CN" altLang="en-US"/>
           </a:p>
@@ -20987,7 +20987,7 @@
                     <a:srgbClr val="FF0000"/>
                   </a:solidFill>
                 </a:rPr>
-                <a:t>IP:172.16.0.12/24</a:t>
+                <a:t>IP:192.168.1.1/24</a:t>
               </a:r>
             </a:p>
           </p:txBody>
@@ -21194,7 +21194,7 @@
                     <a:srgbClr val="FF0000"/>
                   </a:solidFill>
                 </a:rPr>
-                <a:t>IP: 172.16.0.34/24</a:t>
+                <a:t>IP: 192.168.1.3/24</a:t>
               </a:r>
             </a:p>
           </p:txBody>
@@ -21463,7 +21463,7 @@
             <a:p>
               <a:r>
                 <a:rPr lang="en-US" altLang="zh-CN" dirty="0"/>
-                <a:t>IP: 172.16.0.23/24</a:t>
+                <a:t>IP:192.168.1.2/24</a:t>
               </a:r>
             </a:p>
           </p:txBody>
@@ -21736,7 +21736,7 @@
               </a:r>
               <a:r>
                 <a:rPr lang="en-US" altLang="zh-CN"/>
-                <a:t>: 172.16.0.45/24</a:t>
+                <a:t>: 192.168.1.4/24</a:t>
               </a:r>
               <a:endParaRPr lang="en-US" altLang="zh-CN" dirty="0"/>
             </a:p>
@@ -23597,7 +23597,7 @@
           <a:p>
             <a:fld id="{72DCCFBE-E183-406C-A10F-E0642B08ACC5}" type="datetime1">
               <a:rPr lang="zh-CN" altLang="en-US" smtClean="0"/>
-              <a:t>2022/11/25</a:t>
+              <a:t>2022/11/27</a:t>
             </a:fld>
             <a:endParaRPr lang="zh-CN" altLang="en-US"/>
           </a:p>
@@ -23894,7 +23894,7 @@
           <a:p>
             <a:fld id="{72DCCFBE-E183-406C-A10F-E0642B08ACC5}" type="datetime1">
               <a:rPr lang="zh-CN" altLang="en-US" smtClean="0"/>
-              <a:t>2022/11/25</a:t>
+              <a:t>2022/11/27</a:t>
             </a:fld>
             <a:endParaRPr lang="zh-CN" altLang="en-US"/>
           </a:p>
@@ -24203,7 +24203,7 @@
           <a:p>
             <a:fld id="{72DCCFBE-E183-406C-A10F-E0642B08ACC5}" type="datetime1">
               <a:rPr lang="zh-CN" altLang="en-US" smtClean="0"/>
-              <a:t>2022/11/25</a:t>
+              <a:t>2022/11/27</a:t>
             </a:fld>
             <a:endParaRPr lang="zh-CN" altLang="en-US"/>
           </a:p>
@@ -24975,7 +24975,7 @@
           <a:p>
             <a:fld id="{72DCCFBE-E183-406C-A10F-E0642B08ACC5}" type="datetime1">
               <a:rPr lang="zh-CN" altLang="en-US" smtClean="0"/>
-              <a:t>2022/11/25</a:t>
+              <a:t>2022/11/27</a:t>
             </a:fld>
             <a:endParaRPr lang="zh-CN" altLang="en-US" dirty="0"/>
           </a:p>
@@ -26045,7 +26045,7 @@
           <a:p>
             <a:fld id="{72DCCFBE-E183-406C-A10F-E0642B08ACC5}" type="datetime1">
               <a:rPr lang="zh-CN" altLang="en-US" smtClean="0"/>
-              <a:t>2022/11/25</a:t>
+              <a:t>2022/11/27</a:t>
             </a:fld>
             <a:endParaRPr lang="zh-CN" altLang="en-US"/>
           </a:p>
@@ -26462,7 +26462,7 @@
           <a:p>
             <a:fld id="{72DCCFBE-E183-406C-A10F-E0642B08ACC5}" type="datetime1">
               <a:rPr lang="zh-CN" altLang="en-US" smtClean="0"/>
-              <a:t>2022/11/25</a:t>
+              <a:t>2022/11/27</a:t>
             </a:fld>
             <a:endParaRPr lang="zh-CN" altLang="en-US"/>
           </a:p>
